--- a/src/lectures/android-sensors/android-sensors.pptx
+++ b/src/lectures/android-sensors/android-sensors.pptx
@@ -217,7 +217,7 @@
           <a:p>
             <a:fld id="{6D65E8AE-67CB-425F-A941-9EF2C260E158}" type="datetimeFigureOut">
               <a:rPr lang="sv-SE" smtClean="0"/>
-              <a:t>2020-02-23</a:t>
+              <a:t>2020-02-28</a:t>
             </a:fld>
             <a:endParaRPr lang="sv-SE"/>
           </a:p>
@@ -382,7 +382,7 @@
           <a:p>
             <a:fld id="{38366049-D807-473D-9795-762417EEF104}" type="datetimeFigureOut">
               <a:rPr lang="en-US" smtClean="0"/>
-              <a:t>2/23/2020</a:t>
+              <a:t>2/28/2020</a:t>
             </a:fld>
             <a:endParaRPr lang="en-US"/>
           </a:p>
@@ -691,7 +691,7 @@
           <a:p>
             <a:fld id="{428859CC-B640-4DB3-BB6F-301CDED75AAD}" type="datetimeFigureOut">
               <a:rPr lang="sv-SE" smtClean="0"/>
-              <a:t>2020-02-23</a:t>
+              <a:t>2020-02-28</a:t>
             </a:fld>
             <a:endParaRPr lang="sv-SE"/>
           </a:p>
@@ -1041,7 +1041,7 @@
           <a:p>
             <a:fld id="{428859CC-B640-4DB3-BB6F-301CDED75AAD}" type="datetimeFigureOut">
               <a:rPr lang="sv-SE" smtClean="0"/>
-              <a:t>2020-02-23</a:t>
+              <a:t>2020-02-28</a:t>
             </a:fld>
             <a:endParaRPr lang="sv-SE"/>
           </a:p>
@@ -1291,7 +1291,7 @@
           <a:p>
             <a:fld id="{428859CC-B640-4DB3-BB6F-301CDED75AAD}" type="datetimeFigureOut">
               <a:rPr lang="sv-SE" smtClean="0"/>
-              <a:t>2020-02-23</a:t>
+              <a:t>2020-02-28</a:t>
             </a:fld>
             <a:endParaRPr lang="sv-SE"/>
           </a:p>
@@ -1650,7 +1650,7 @@
           <a:p>
             <a:fld id="{428859CC-B640-4DB3-BB6F-301CDED75AAD}" type="datetimeFigureOut">
               <a:rPr lang="sv-SE" smtClean="0"/>
-              <a:t>2020-02-23</a:t>
+              <a:t>2020-02-28</a:t>
             </a:fld>
             <a:endParaRPr lang="sv-SE"/>
           </a:p>
@@ -2001,7 +2001,7 @@
           <a:p>
             <a:fld id="{428859CC-B640-4DB3-BB6F-301CDED75AAD}" type="datetimeFigureOut">
               <a:rPr lang="sv-SE" smtClean="0"/>
-              <a:t>2020-02-23</a:t>
+              <a:t>2020-02-28</a:t>
             </a:fld>
             <a:endParaRPr lang="sv-SE"/>
           </a:p>
@@ -2433,7 +2433,7 @@
           <a:p>
             <a:fld id="{428859CC-B640-4DB3-BB6F-301CDED75AAD}" type="datetimeFigureOut">
               <a:rPr lang="sv-SE" smtClean="0"/>
-              <a:t>2020-02-23</a:t>
+              <a:t>2020-02-28</a:t>
             </a:fld>
             <a:endParaRPr lang="sv-SE"/>
           </a:p>
@@ -2857,7 +2857,7 @@
           <a:p>
             <a:fld id="{428859CC-B640-4DB3-BB6F-301CDED75AAD}" type="datetimeFigureOut">
               <a:rPr lang="sv-SE" smtClean="0"/>
-              <a:t>2020-02-23</a:t>
+              <a:t>2020-02-28</a:t>
             </a:fld>
             <a:endParaRPr lang="sv-SE"/>
           </a:p>
@@ -3289,7 +3289,7 @@
           <a:p>
             <a:fld id="{428859CC-B640-4DB3-BB6F-301CDED75AAD}" type="datetimeFigureOut">
               <a:rPr lang="sv-SE" smtClean="0"/>
-              <a:t>2020-02-23</a:t>
+              <a:t>2020-02-28</a:t>
             </a:fld>
             <a:endParaRPr lang="sv-SE"/>
           </a:p>
@@ -3615,7 +3615,7 @@
           <a:p>
             <a:fld id="{428859CC-B640-4DB3-BB6F-301CDED75AAD}" type="datetimeFigureOut">
               <a:rPr lang="sv-SE" smtClean="0"/>
-              <a:t>2020-02-23</a:t>
+              <a:t>2020-02-28</a:t>
             </a:fld>
             <a:endParaRPr lang="sv-SE"/>
           </a:p>
@@ -3815,7 +3815,7 @@
           <a:p>
             <a:fld id="{428859CC-B640-4DB3-BB6F-301CDED75AAD}" type="datetimeFigureOut">
               <a:rPr lang="sv-SE" smtClean="0"/>
-              <a:t>2020-02-23</a:t>
+              <a:t>2020-02-28</a:t>
             </a:fld>
             <a:endParaRPr lang="sv-SE"/>
           </a:p>
@@ -3976,7 +3976,7 @@
           <a:p>
             <a:fld id="{428859CC-B640-4DB3-BB6F-301CDED75AAD}" type="datetimeFigureOut">
               <a:rPr lang="sv-SE" smtClean="0"/>
-              <a:t>2020-02-23</a:t>
+              <a:t>2020-02-28</a:t>
             </a:fld>
             <a:endParaRPr lang="sv-SE"/>
           </a:p>
@@ -4244,7 +4244,7 @@
           <a:p>
             <a:fld id="{428859CC-B640-4DB3-BB6F-301CDED75AAD}" type="datetimeFigureOut">
               <a:rPr lang="sv-SE" smtClean="0"/>
-              <a:t>2020-02-23</a:t>
+              <a:t>2020-02-28</a:t>
             </a:fld>
             <a:endParaRPr lang="sv-SE"/>
           </a:p>
@@ -4449,7 +4449,7 @@
           <a:p>
             <a:fld id="{428859CC-B640-4DB3-BB6F-301CDED75AAD}" type="datetimeFigureOut">
               <a:rPr lang="sv-SE" smtClean="0"/>
-              <a:t>2020-02-23</a:t>
+              <a:t>2020-02-28</a:t>
             </a:fld>
             <a:endParaRPr lang="sv-SE"/>
           </a:p>
@@ -4671,7 +4671,7 @@
           <a:p>
             <a:fld id="{428859CC-B640-4DB3-BB6F-301CDED75AAD}" type="datetimeFigureOut">
               <a:rPr lang="sv-SE" smtClean="0"/>
-              <a:t>2020-02-23</a:t>
+              <a:t>2020-02-28</a:t>
             </a:fld>
             <a:endParaRPr lang="sv-SE"/>
           </a:p>
@@ -4905,7 +4905,7 @@
           <a:p>
             <a:fld id="{428859CC-B640-4DB3-BB6F-301CDED75AAD}" type="datetimeFigureOut">
               <a:rPr lang="sv-SE" smtClean="0"/>
-              <a:t>2020-02-23</a:t>
+              <a:t>2020-02-28</a:t>
             </a:fld>
             <a:endParaRPr lang="sv-SE"/>
           </a:p>
@@ -5127,7 +5127,7 @@
           <a:p>
             <a:fld id="{428859CC-B640-4DB3-BB6F-301CDED75AAD}" type="datetimeFigureOut">
               <a:rPr lang="sv-SE" smtClean="0"/>
-              <a:t>2020-02-23</a:t>
+              <a:t>2020-02-28</a:t>
             </a:fld>
             <a:endParaRPr lang="sv-SE"/>
           </a:p>
@@ -5361,7 +5361,7 @@
           <a:p>
             <a:fld id="{428859CC-B640-4DB3-BB6F-301CDED75AAD}" type="datetimeFigureOut">
               <a:rPr lang="sv-SE" smtClean="0"/>
-              <a:t>2020-02-23</a:t>
+              <a:t>2020-02-28</a:t>
             </a:fld>
             <a:endParaRPr lang="sv-SE"/>
           </a:p>
@@ -5775,7 +5775,7 @@
           <a:p>
             <a:fld id="{428859CC-B640-4DB3-BB6F-301CDED75AAD}" type="datetimeFigureOut">
               <a:rPr lang="sv-SE" smtClean="0"/>
-              <a:t>2020-02-23</a:t>
+              <a:t>2020-02-28</a:t>
             </a:fld>
             <a:endParaRPr lang="sv-SE"/>
           </a:p>
@@ -6187,7 +6187,7 @@
           <a:p>
             <a:fld id="{428859CC-B640-4DB3-BB6F-301CDED75AAD}" type="datetimeFigureOut">
               <a:rPr lang="sv-SE" smtClean="0"/>
-              <a:t>2020-02-23</a:t>
+              <a:t>2020-02-28</a:t>
             </a:fld>
             <a:endParaRPr lang="sv-SE"/>
           </a:p>
@@ -6504,7 +6504,7 @@
           <a:p>
             <a:fld id="{428859CC-B640-4DB3-BB6F-301CDED75AAD}" type="datetimeFigureOut">
               <a:rPr lang="sv-SE" smtClean="0"/>
-              <a:t>2020-02-23</a:t>
+              <a:t>2020-02-28</a:t>
             </a:fld>
             <a:endParaRPr lang="sv-SE"/>
           </a:p>
@@ -6819,7 +6819,7 @@
           <a:p>
             <a:fld id="{428859CC-B640-4DB3-BB6F-301CDED75AAD}" type="datetimeFigureOut">
               <a:rPr lang="sv-SE" smtClean="0"/>
-              <a:t>2020-02-23</a:t>
+              <a:t>2020-02-28</a:t>
             </a:fld>
             <a:endParaRPr lang="sv-SE"/>
           </a:p>
@@ -7107,7 +7107,7 @@
           <a:p>
             <a:fld id="{428859CC-B640-4DB3-BB6F-301CDED75AAD}" type="datetimeFigureOut">
               <a:rPr lang="sv-SE" smtClean="0"/>
-              <a:t>2020-02-23</a:t>
+              <a:t>2020-02-28</a:t>
             </a:fld>
             <a:endParaRPr lang="sv-SE"/>
           </a:p>
@@ -7409,7 +7409,7 @@
           <a:p>
             <a:fld id="{428859CC-B640-4DB3-BB6F-301CDED75AAD}" type="datetimeFigureOut">
               <a:rPr lang="sv-SE" smtClean="0"/>
-              <a:t>2020-02-23</a:t>
+              <a:t>2020-02-28</a:t>
             </a:fld>
             <a:endParaRPr lang="sv-SE"/>
           </a:p>
@@ -7691,7 +7691,7 @@
           <a:p>
             <a:fld id="{428859CC-B640-4DB3-BB6F-301CDED75AAD}" type="datetimeFigureOut">
               <a:rPr lang="sv-SE" smtClean="0"/>
-              <a:t>2020-02-23</a:t>
+              <a:t>2020-02-28</a:t>
             </a:fld>
             <a:endParaRPr lang="sv-SE"/>
           </a:p>
@@ -8605,7 +8605,7 @@
         <p:spPr>
           <a:xfrm>
             <a:off x="3838658" y="3864511"/>
-            <a:ext cx="2128505" cy="1435339"/>
+            <a:ext cx="2343622" cy="1435339"/>
           </a:xfrm>
           <a:prstGeom prst="cloud">
             <a:avLst/>
@@ -8637,7 +8637,7 @@
                 <a:latin typeface="Georgia" panose="02040502050405020303" pitchFamily="18" charset="0"/>
                 <a:cs typeface="Arial" panose="020B0604020202020204" pitchFamily="34" charset="0"/>
               </a:rPr>
-              <a:t>Origin always top-left corner.</a:t>
+              <a:t>Origin "always" top-left corner.</a:t>
             </a:r>
           </a:p>
         </p:txBody>
@@ -9163,7 +9163,7 @@
         <p:spPr>
           <a:xfrm>
             <a:off x="4902910" y="5512535"/>
-            <a:ext cx="2922309" cy="1214752"/>
+            <a:ext cx="3388331" cy="1214752"/>
           </a:xfrm>
           <a:prstGeom prst="cloudCallout">
             <a:avLst>
@@ -9197,7 +9197,7 @@
               <a:rPr lang="en-US" dirty="0">
                 <a:latin typeface="Georgia" panose="02040502050405020303" pitchFamily="18" charset="0"/>
               </a:rPr>
-              <a:t>Unless locked in portrait mode.</a:t>
+              <a:t>Unless locked in portrait mode, held upside down, etc.</a:t>
             </a:r>
           </a:p>
         </p:txBody>
@@ -11908,7 +11908,7 @@
                 <a:latin typeface="Courier New" panose="02070309020205020404" pitchFamily="49" charset="0"/>
                 <a:cs typeface="Courier New" panose="02070309020205020404" pitchFamily="49" charset="0"/>
               </a:rPr>
-              <a:t>accelerometerValues</a:t>
+              <a:t>gravityValues</a:t>
             </a:r>
             <a:r>
               <a:rPr lang="en-US" sz="2200" dirty="0">
